--- a/a_asset/n_01_uiux요구분석/n_01_UIUX요구분석_제출양식.pptx
+++ b/a_asset/n_01_uiux요구분석/n_01_UIUX요구분석_제출양식.pptx
@@ -8005,7 +8005,7 @@
           <a:p>
             <a:fld id="{1EB10115-D117-43B1-A50B-8388D87F6800}" type="datetimeFigureOut">
               <a:rPr lang="ko-KR" altLang="en-US" smtClean="0"/>
-              <a:t>2021-09-08</a:t>
+              <a:t>2021-09-09</a:t>
             </a:fld>
             <a:endParaRPr lang="ko-KR" altLang="en-US"/>
           </a:p>
@@ -16991,6 +16991,290 @@
           </a:p>
         </p:txBody>
       </p:sp>
+      <p:grpSp>
+        <p:nvGrpSpPr>
+          <p:cNvPr id="5" name="그룹 4">
+            <a:extLst>
+              <a:ext uri="{FF2B5EF4-FFF2-40B4-BE49-F238E27FC236}">
+                <a16:creationId xmlns:a16="http://schemas.microsoft.com/office/drawing/2014/main" id="{01139115-8EE8-44EF-BC14-2D6BE77C6B11}"/>
+              </a:ext>
+            </a:extLst>
+          </p:cNvPr>
+          <p:cNvGrpSpPr/>
+          <p:nvPr/>
+        </p:nvGrpSpPr>
+        <p:grpSpPr>
+          <a:xfrm>
+            <a:off x="635000" y="2152649"/>
+            <a:ext cx="7712243" cy="4132717"/>
+            <a:chOff x="635000" y="2152649"/>
+            <a:chExt cx="7712243" cy="4132717"/>
+          </a:xfrm>
+        </p:grpSpPr>
+        <p:pic>
+          <p:nvPicPr>
+            <p:cNvPr id="1026" name="Picture 2">
+              <a:extLst>
+                <a:ext uri="{FF2B5EF4-FFF2-40B4-BE49-F238E27FC236}">
+                  <a16:creationId xmlns:a16="http://schemas.microsoft.com/office/drawing/2014/main" id="{EB321398-6158-4CE2-93DA-F90DFCEAD875}"/>
+                </a:ext>
+              </a:extLst>
+            </p:cNvPr>
+            <p:cNvPicPr>
+              <a:picLocks noChangeAspect="1" noChangeArrowheads="1"/>
+            </p:cNvPicPr>
+            <p:nvPr/>
+          </p:nvPicPr>
+          <p:blipFill rotWithShape="1">
+            <a:blip r:embed="rId2">
+              <a:extLst>
+                <a:ext uri="{28A0092B-C50C-407E-A947-70E740481C1C}">
+                  <a14:useLocalDpi xmlns:a14="http://schemas.microsoft.com/office/drawing/2010/main" val="0"/>
+                </a:ext>
+              </a:extLst>
+            </a:blip>
+            <a:srcRect l="13519" t="1018" b="28426"/>
+            <a:stretch/>
+          </p:blipFill>
+          <p:spPr bwMode="auto">
+            <a:xfrm>
+              <a:off x="1362075" y="2152649"/>
+              <a:ext cx="2294417" cy="3743781"/>
+            </a:xfrm>
+            <a:prstGeom prst="rect">
+              <a:avLst/>
+            </a:prstGeom>
+            <a:noFill/>
+            <a:extLst>
+              <a:ext uri="{909E8E84-426E-40DD-AFC4-6F175D3DCCD1}">
+                <a14:hiddenFill xmlns:a14="http://schemas.microsoft.com/office/drawing/2010/main">
+                  <a:solidFill>
+                    <a:srgbClr val="FFFFFF"/>
+                  </a:solidFill>
+                </a14:hiddenFill>
+              </a:ext>
+            </a:extLst>
+          </p:spPr>
+        </p:pic>
+        <p:sp>
+          <p:nvSpPr>
+            <p:cNvPr id="9" name="텍스트 개체 틀 7">
+              <a:extLst>
+                <a:ext uri="{FF2B5EF4-FFF2-40B4-BE49-F238E27FC236}">
+                  <a16:creationId xmlns:a16="http://schemas.microsoft.com/office/drawing/2014/main" id="{27293AAD-AD29-4568-81A3-F4F8A3D6300C}"/>
+                </a:ext>
+              </a:extLst>
+            </p:cNvPr>
+            <p:cNvSpPr txBox="1">
+              <a:spLocks/>
+            </p:cNvSpPr>
+            <p:nvPr/>
+          </p:nvSpPr>
+          <p:spPr>
+            <a:xfrm>
+              <a:off x="635000" y="6031820"/>
+              <a:ext cx="7712243" cy="253546"/>
+            </a:xfrm>
+            <a:prstGeom prst="rect">
+              <a:avLst/>
+            </a:prstGeom>
+          </p:spPr>
+          <p:txBody>
+            <a:bodyPr/>
+            <a:lstStyle>
+              <a:lvl1pPr marL="285750" indent="-285750" algn="l" defTabSz="914400" rtl="0" eaLnBrk="1" latinLnBrk="1" hangingPunct="1">
+                <a:lnSpc>
+                  <a:spcPct val="90000"/>
+                </a:lnSpc>
+                <a:spcBef>
+                  <a:spcPts val="1000"/>
+                </a:spcBef>
+                <a:buClr>
+                  <a:srgbClr val="2AB9C7"/>
+                </a:buClr>
+                <a:buSzPct val="80000"/>
+                <a:buFont typeface="Wingdings" panose="05000000000000000000" pitchFamily="2" charset="2"/>
+                <a:buChar char="l"/>
+                <a:defRPr sz="1600" kern="1200">
+                  <a:solidFill>
+                    <a:srgbClr val="595959"/>
+                  </a:solidFill>
+                  <a:latin typeface="+mn-lt"/>
+                  <a:ea typeface="+mn-ea"/>
+                  <a:cs typeface="+mn-cs"/>
+                </a:defRPr>
+              </a:lvl1pPr>
+              <a:lvl2pPr marL="457200" indent="0" algn="l" defTabSz="914400" rtl="0" eaLnBrk="1" latinLnBrk="1" hangingPunct="1">
+                <a:lnSpc>
+                  <a:spcPct val="90000"/>
+                </a:lnSpc>
+                <a:spcBef>
+                  <a:spcPts val="500"/>
+                </a:spcBef>
+                <a:buFont typeface="Arial" panose="020B0604020202020204" pitchFamily="34" charset="0"/>
+                <a:buNone/>
+                <a:defRPr sz="1400" kern="1200">
+                  <a:solidFill>
+                    <a:schemeClr val="tx1"/>
+                  </a:solidFill>
+                  <a:latin typeface="+mn-lt"/>
+                  <a:ea typeface="+mn-ea"/>
+                  <a:cs typeface="+mn-cs"/>
+                </a:defRPr>
+              </a:lvl2pPr>
+              <a:lvl3pPr marL="914400" indent="0" algn="l" defTabSz="914400" rtl="0" eaLnBrk="1" latinLnBrk="1" hangingPunct="1">
+                <a:lnSpc>
+                  <a:spcPct val="90000"/>
+                </a:lnSpc>
+                <a:spcBef>
+                  <a:spcPts val="500"/>
+                </a:spcBef>
+                <a:buFont typeface="Arial" panose="020B0604020202020204" pitchFamily="34" charset="0"/>
+                <a:buNone/>
+                <a:defRPr sz="1200" kern="1200">
+                  <a:solidFill>
+                    <a:schemeClr val="tx1"/>
+                  </a:solidFill>
+                  <a:latin typeface="+mn-lt"/>
+                  <a:ea typeface="+mn-ea"/>
+                  <a:cs typeface="+mn-cs"/>
+                </a:defRPr>
+              </a:lvl3pPr>
+              <a:lvl4pPr marL="1371600" indent="0" algn="l" defTabSz="914400" rtl="0" eaLnBrk="1" latinLnBrk="1" hangingPunct="1">
+                <a:lnSpc>
+                  <a:spcPct val="90000"/>
+                </a:lnSpc>
+                <a:spcBef>
+                  <a:spcPts val="500"/>
+                </a:spcBef>
+                <a:buFont typeface="Arial" panose="020B0604020202020204" pitchFamily="34" charset="0"/>
+                <a:buNone/>
+                <a:defRPr sz="1000" kern="1200">
+                  <a:solidFill>
+                    <a:schemeClr val="tx1"/>
+                  </a:solidFill>
+                  <a:latin typeface="+mn-lt"/>
+                  <a:ea typeface="+mn-ea"/>
+                  <a:cs typeface="+mn-cs"/>
+                </a:defRPr>
+              </a:lvl4pPr>
+              <a:lvl5pPr marL="1828800" indent="0" algn="l" defTabSz="914400" rtl="0" eaLnBrk="1" latinLnBrk="1" hangingPunct="1">
+                <a:lnSpc>
+                  <a:spcPct val="90000"/>
+                </a:lnSpc>
+                <a:spcBef>
+                  <a:spcPts val="500"/>
+                </a:spcBef>
+                <a:buFont typeface="Arial" panose="020B0604020202020204" pitchFamily="34" charset="0"/>
+                <a:buNone/>
+                <a:defRPr sz="1000" kern="1200">
+                  <a:solidFill>
+                    <a:schemeClr val="tx1"/>
+                  </a:solidFill>
+                  <a:latin typeface="+mn-lt"/>
+                  <a:ea typeface="+mn-ea"/>
+                  <a:cs typeface="+mn-cs"/>
+                </a:defRPr>
+              </a:lvl5pPr>
+              <a:lvl6pPr marL="2286000" indent="0" algn="l" defTabSz="914400" rtl="0" eaLnBrk="1" latinLnBrk="1" hangingPunct="1">
+                <a:lnSpc>
+                  <a:spcPct val="90000"/>
+                </a:lnSpc>
+                <a:spcBef>
+                  <a:spcPts val="500"/>
+                </a:spcBef>
+                <a:buFont typeface="Arial" panose="020B0604020202020204" pitchFamily="34" charset="0"/>
+                <a:buNone/>
+                <a:defRPr sz="1000" kern="1200">
+                  <a:solidFill>
+                    <a:schemeClr val="tx1"/>
+                  </a:solidFill>
+                  <a:latin typeface="+mn-lt"/>
+                  <a:ea typeface="+mn-ea"/>
+                  <a:cs typeface="+mn-cs"/>
+                </a:defRPr>
+              </a:lvl6pPr>
+              <a:lvl7pPr marL="2743200" indent="0" algn="l" defTabSz="914400" rtl="0" eaLnBrk="1" latinLnBrk="1" hangingPunct="1">
+                <a:lnSpc>
+                  <a:spcPct val="90000"/>
+                </a:lnSpc>
+                <a:spcBef>
+                  <a:spcPts val="500"/>
+                </a:spcBef>
+                <a:buFont typeface="Arial" panose="020B0604020202020204" pitchFamily="34" charset="0"/>
+                <a:buNone/>
+                <a:defRPr sz="1000" kern="1200">
+                  <a:solidFill>
+                    <a:schemeClr val="tx1"/>
+                  </a:solidFill>
+                  <a:latin typeface="+mn-lt"/>
+                  <a:ea typeface="+mn-ea"/>
+                  <a:cs typeface="+mn-cs"/>
+                </a:defRPr>
+              </a:lvl7pPr>
+              <a:lvl8pPr marL="3200400" indent="0" algn="l" defTabSz="914400" rtl="0" eaLnBrk="1" latinLnBrk="1" hangingPunct="1">
+                <a:lnSpc>
+                  <a:spcPct val="90000"/>
+                </a:lnSpc>
+                <a:spcBef>
+                  <a:spcPts val="500"/>
+                </a:spcBef>
+                <a:buFont typeface="Arial" panose="020B0604020202020204" pitchFamily="34" charset="0"/>
+                <a:buNone/>
+                <a:defRPr sz="1000" kern="1200">
+                  <a:solidFill>
+                    <a:schemeClr val="tx1"/>
+                  </a:solidFill>
+                  <a:latin typeface="+mn-lt"/>
+                  <a:ea typeface="+mn-ea"/>
+                  <a:cs typeface="+mn-cs"/>
+                </a:defRPr>
+              </a:lvl8pPr>
+              <a:lvl9pPr marL="3657600" indent="0" algn="l" defTabSz="914400" rtl="0" eaLnBrk="1" latinLnBrk="1" hangingPunct="1">
+                <a:lnSpc>
+                  <a:spcPct val="90000"/>
+                </a:lnSpc>
+                <a:spcBef>
+                  <a:spcPts val="500"/>
+                </a:spcBef>
+                <a:buFont typeface="Arial" panose="020B0604020202020204" pitchFamily="34" charset="0"/>
+                <a:buNone/>
+                <a:defRPr sz="1000" kern="1200">
+                  <a:solidFill>
+                    <a:schemeClr val="tx1"/>
+                  </a:solidFill>
+                  <a:latin typeface="+mn-lt"/>
+                  <a:ea typeface="+mn-ea"/>
+                  <a:cs typeface="+mn-cs"/>
+                </a:defRPr>
+              </a:lvl9pPr>
+            </a:lstStyle>
+            <a:p>
+              <a:r>
+                <a:rPr lang="ko-KR" altLang="en-US" sz="1000" dirty="0" err="1"/>
+                <a:t>샘플이미지</a:t>
+              </a:r>
+              <a:r>
+                <a:rPr lang="ko-KR" altLang="en-US" sz="1000" dirty="0"/>
+                <a:t> 삭제 후 첨부</a:t>
+              </a:r>
+              <a:r>
+                <a:rPr lang="en-US" altLang="ko-KR" sz="1000" dirty="0"/>
+                <a:t>(</a:t>
+              </a:r>
+              <a:r>
+                <a:rPr lang="ko-KR" altLang="en-US" sz="1000" dirty="0"/>
+                <a:t>이미지가 아닌 텍스트형식으로</a:t>
+              </a:r>
+              <a:r>
+                <a:rPr lang="en-US" altLang="ko-KR" sz="1000" dirty="0"/>
+                <a:t>..)</a:t>
+              </a:r>
+              <a:endParaRPr lang="ko-KR" altLang="en-US" sz="1000" dirty="0"/>
+            </a:p>
+          </p:txBody>
+        </p:sp>
+      </p:grpSp>
     </p:spTree>
     <p:extLst>
       <p:ext uri="{BB962C8B-B14F-4D97-AF65-F5344CB8AC3E}">
@@ -17179,6 +17463,292 @@
           </a:p>
         </p:txBody>
       </p:sp>
+      <p:grpSp>
+        <p:nvGrpSpPr>
+          <p:cNvPr id="3" name="그룹 2">
+            <a:extLst>
+              <a:ext uri="{FF2B5EF4-FFF2-40B4-BE49-F238E27FC236}">
+                <a16:creationId xmlns:a16="http://schemas.microsoft.com/office/drawing/2014/main" id="{ABCE3094-00FB-4197-863E-92B22DE6C3CC}"/>
+              </a:ext>
+            </a:extLst>
+          </p:cNvPr>
+          <p:cNvGrpSpPr/>
+          <p:nvPr/>
+        </p:nvGrpSpPr>
+        <p:grpSpPr>
+          <a:xfrm>
+            <a:off x="635000" y="1994351"/>
+            <a:ext cx="7712243" cy="4291015"/>
+            <a:chOff x="635000" y="1994351"/>
+            <a:chExt cx="7712243" cy="4291015"/>
+          </a:xfrm>
+        </p:grpSpPr>
+        <p:pic>
+          <p:nvPicPr>
+            <p:cNvPr id="2052" name="Picture 4">
+              <a:extLst>
+                <a:ext uri="{FF2B5EF4-FFF2-40B4-BE49-F238E27FC236}">
+                  <a16:creationId xmlns:a16="http://schemas.microsoft.com/office/drawing/2014/main" id="{1DD14E58-1E03-4EB4-9CFA-C4F743651E82}"/>
+                </a:ext>
+              </a:extLst>
+            </p:cNvPr>
+            <p:cNvPicPr>
+              <a:picLocks noChangeAspect="1" noChangeArrowheads="1"/>
+            </p:cNvPicPr>
+            <p:nvPr/>
+          </p:nvPicPr>
+          <p:blipFill>
+            <a:blip r:embed="rId2">
+              <a:extLst>
+                <a:ext uri="{28A0092B-C50C-407E-A947-70E740481C1C}">
+                  <a14:useLocalDpi xmlns:a14="http://schemas.microsoft.com/office/drawing/2010/main" val="0"/>
+                </a:ext>
+              </a:extLst>
+            </a:blip>
+            <a:srcRect/>
+            <a:stretch>
+              <a:fillRect/>
+            </a:stretch>
+          </p:blipFill>
+          <p:spPr bwMode="auto">
+            <a:xfrm>
+              <a:off x="3293229" y="1994351"/>
+              <a:ext cx="2924206" cy="4025676"/>
+            </a:xfrm>
+            <a:prstGeom prst="rect">
+              <a:avLst/>
+            </a:prstGeom>
+            <a:noFill/>
+            <a:extLst>
+              <a:ext uri="{909E8E84-426E-40DD-AFC4-6F175D3DCCD1}">
+                <a14:hiddenFill xmlns:a14="http://schemas.microsoft.com/office/drawing/2010/main">
+                  <a:solidFill>
+                    <a:srgbClr val="FFFFFF"/>
+                  </a:solidFill>
+                </a14:hiddenFill>
+              </a:ext>
+            </a:extLst>
+          </p:spPr>
+        </p:pic>
+        <p:sp>
+          <p:nvSpPr>
+            <p:cNvPr id="7" name="텍스트 개체 틀 7">
+              <a:extLst>
+                <a:ext uri="{FF2B5EF4-FFF2-40B4-BE49-F238E27FC236}">
+                  <a16:creationId xmlns:a16="http://schemas.microsoft.com/office/drawing/2014/main" id="{00E8C4F8-1B36-4C30-8F4A-0BCB14945882}"/>
+                </a:ext>
+              </a:extLst>
+            </p:cNvPr>
+            <p:cNvSpPr txBox="1">
+              <a:spLocks/>
+            </p:cNvSpPr>
+            <p:nvPr/>
+          </p:nvSpPr>
+          <p:spPr>
+            <a:xfrm>
+              <a:off x="635000" y="6031820"/>
+              <a:ext cx="7712243" cy="253546"/>
+            </a:xfrm>
+            <a:prstGeom prst="rect">
+              <a:avLst/>
+            </a:prstGeom>
+          </p:spPr>
+          <p:txBody>
+            <a:bodyPr/>
+            <a:lstStyle>
+              <a:lvl1pPr marL="285750" indent="-285750" algn="l" defTabSz="914400" rtl="0" eaLnBrk="1" latinLnBrk="1" hangingPunct="1">
+                <a:lnSpc>
+                  <a:spcPct val="90000"/>
+                </a:lnSpc>
+                <a:spcBef>
+                  <a:spcPts val="1000"/>
+                </a:spcBef>
+                <a:buClr>
+                  <a:srgbClr val="2AB9C7"/>
+                </a:buClr>
+                <a:buSzPct val="80000"/>
+                <a:buFont typeface="Wingdings" panose="05000000000000000000" pitchFamily="2" charset="2"/>
+                <a:buChar char="l"/>
+                <a:defRPr sz="1600" kern="1200">
+                  <a:solidFill>
+                    <a:srgbClr val="595959"/>
+                  </a:solidFill>
+                  <a:latin typeface="+mn-lt"/>
+                  <a:ea typeface="+mn-ea"/>
+                  <a:cs typeface="+mn-cs"/>
+                </a:defRPr>
+              </a:lvl1pPr>
+              <a:lvl2pPr marL="457200" indent="0" algn="l" defTabSz="914400" rtl="0" eaLnBrk="1" latinLnBrk="1" hangingPunct="1">
+                <a:lnSpc>
+                  <a:spcPct val="90000"/>
+                </a:lnSpc>
+                <a:spcBef>
+                  <a:spcPts val="500"/>
+                </a:spcBef>
+                <a:buFont typeface="Arial" panose="020B0604020202020204" pitchFamily="34" charset="0"/>
+                <a:buNone/>
+                <a:defRPr sz="1400" kern="1200">
+                  <a:solidFill>
+                    <a:schemeClr val="tx1"/>
+                  </a:solidFill>
+                  <a:latin typeface="+mn-lt"/>
+                  <a:ea typeface="+mn-ea"/>
+                  <a:cs typeface="+mn-cs"/>
+                </a:defRPr>
+              </a:lvl2pPr>
+              <a:lvl3pPr marL="914400" indent="0" algn="l" defTabSz="914400" rtl="0" eaLnBrk="1" latinLnBrk="1" hangingPunct="1">
+                <a:lnSpc>
+                  <a:spcPct val="90000"/>
+                </a:lnSpc>
+                <a:spcBef>
+                  <a:spcPts val="500"/>
+                </a:spcBef>
+                <a:buFont typeface="Arial" panose="020B0604020202020204" pitchFamily="34" charset="0"/>
+                <a:buNone/>
+                <a:defRPr sz="1200" kern="1200">
+                  <a:solidFill>
+                    <a:schemeClr val="tx1"/>
+                  </a:solidFill>
+                  <a:latin typeface="+mn-lt"/>
+                  <a:ea typeface="+mn-ea"/>
+                  <a:cs typeface="+mn-cs"/>
+                </a:defRPr>
+              </a:lvl3pPr>
+              <a:lvl4pPr marL="1371600" indent="0" algn="l" defTabSz="914400" rtl="0" eaLnBrk="1" latinLnBrk="1" hangingPunct="1">
+                <a:lnSpc>
+                  <a:spcPct val="90000"/>
+                </a:lnSpc>
+                <a:spcBef>
+                  <a:spcPts val="500"/>
+                </a:spcBef>
+                <a:buFont typeface="Arial" panose="020B0604020202020204" pitchFamily="34" charset="0"/>
+                <a:buNone/>
+                <a:defRPr sz="1000" kern="1200">
+                  <a:solidFill>
+                    <a:schemeClr val="tx1"/>
+                  </a:solidFill>
+                  <a:latin typeface="+mn-lt"/>
+                  <a:ea typeface="+mn-ea"/>
+                  <a:cs typeface="+mn-cs"/>
+                </a:defRPr>
+              </a:lvl4pPr>
+              <a:lvl5pPr marL="1828800" indent="0" algn="l" defTabSz="914400" rtl="0" eaLnBrk="1" latinLnBrk="1" hangingPunct="1">
+                <a:lnSpc>
+                  <a:spcPct val="90000"/>
+                </a:lnSpc>
+                <a:spcBef>
+                  <a:spcPts val="500"/>
+                </a:spcBef>
+                <a:buFont typeface="Arial" panose="020B0604020202020204" pitchFamily="34" charset="0"/>
+                <a:buNone/>
+                <a:defRPr sz="1000" kern="1200">
+                  <a:solidFill>
+                    <a:schemeClr val="tx1"/>
+                  </a:solidFill>
+                  <a:latin typeface="+mn-lt"/>
+                  <a:ea typeface="+mn-ea"/>
+                  <a:cs typeface="+mn-cs"/>
+                </a:defRPr>
+              </a:lvl5pPr>
+              <a:lvl6pPr marL="2286000" indent="0" algn="l" defTabSz="914400" rtl="0" eaLnBrk="1" latinLnBrk="1" hangingPunct="1">
+                <a:lnSpc>
+                  <a:spcPct val="90000"/>
+                </a:lnSpc>
+                <a:spcBef>
+                  <a:spcPts val="500"/>
+                </a:spcBef>
+                <a:buFont typeface="Arial" panose="020B0604020202020204" pitchFamily="34" charset="0"/>
+                <a:buNone/>
+                <a:defRPr sz="1000" kern="1200">
+                  <a:solidFill>
+                    <a:schemeClr val="tx1"/>
+                  </a:solidFill>
+                  <a:latin typeface="+mn-lt"/>
+                  <a:ea typeface="+mn-ea"/>
+                  <a:cs typeface="+mn-cs"/>
+                </a:defRPr>
+              </a:lvl6pPr>
+              <a:lvl7pPr marL="2743200" indent="0" algn="l" defTabSz="914400" rtl="0" eaLnBrk="1" latinLnBrk="1" hangingPunct="1">
+                <a:lnSpc>
+                  <a:spcPct val="90000"/>
+                </a:lnSpc>
+                <a:spcBef>
+                  <a:spcPts val="500"/>
+                </a:spcBef>
+                <a:buFont typeface="Arial" panose="020B0604020202020204" pitchFamily="34" charset="0"/>
+                <a:buNone/>
+                <a:defRPr sz="1000" kern="1200">
+                  <a:solidFill>
+                    <a:schemeClr val="tx1"/>
+                  </a:solidFill>
+                  <a:latin typeface="+mn-lt"/>
+                  <a:ea typeface="+mn-ea"/>
+                  <a:cs typeface="+mn-cs"/>
+                </a:defRPr>
+              </a:lvl7pPr>
+              <a:lvl8pPr marL="3200400" indent="0" algn="l" defTabSz="914400" rtl="0" eaLnBrk="1" latinLnBrk="1" hangingPunct="1">
+                <a:lnSpc>
+                  <a:spcPct val="90000"/>
+                </a:lnSpc>
+                <a:spcBef>
+                  <a:spcPts val="500"/>
+                </a:spcBef>
+                <a:buFont typeface="Arial" panose="020B0604020202020204" pitchFamily="34" charset="0"/>
+                <a:buNone/>
+                <a:defRPr sz="1000" kern="1200">
+                  <a:solidFill>
+                    <a:schemeClr val="tx1"/>
+                  </a:solidFill>
+                  <a:latin typeface="+mn-lt"/>
+                  <a:ea typeface="+mn-ea"/>
+                  <a:cs typeface="+mn-cs"/>
+                </a:defRPr>
+              </a:lvl8pPr>
+              <a:lvl9pPr marL="3657600" indent="0" algn="l" defTabSz="914400" rtl="0" eaLnBrk="1" latinLnBrk="1" hangingPunct="1">
+                <a:lnSpc>
+                  <a:spcPct val="90000"/>
+                </a:lnSpc>
+                <a:spcBef>
+                  <a:spcPts val="500"/>
+                </a:spcBef>
+                <a:buFont typeface="Arial" panose="020B0604020202020204" pitchFamily="34" charset="0"/>
+                <a:buNone/>
+                <a:defRPr sz="1000" kern="1200">
+                  <a:solidFill>
+                    <a:schemeClr val="tx1"/>
+                  </a:solidFill>
+                  <a:latin typeface="+mn-lt"/>
+                  <a:ea typeface="+mn-ea"/>
+                  <a:cs typeface="+mn-cs"/>
+                </a:defRPr>
+              </a:lvl9pPr>
+            </a:lstStyle>
+            <a:p>
+              <a:r>
+                <a:rPr lang="ko-KR" altLang="en-US" sz="1000" dirty="0" err="1"/>
+                <a:t>샘플이미지</a:t>
+              </a:r>
+              <a:r>
+                <a:rPr lang="ko-KR" altLang="en-US" sz="1000" dirty="0"/>
+                <a:t> 삭제 후 첨부</a:t>
+              </a:r>
+              <a:r>
+                <a:rPr lang="en-US" altLang="ko-KR" sz="1000" dirty="0"/>
+                <a:t>(</a:t>
+              </a:r>
+              <a:r>
+                <a:rPr lang="ko-KR" altLang="en-US" sz="1000" dirty="0"/>
+                <a:t>이미지가 아닌 텍스트형식으로</a:t>
+              </a:r>
+              <a:r>
+                <a:rPr lang="en-US" altLang="ko-KR" sz="1000" dirty="0"/>
+                <a:t>..)</a:t>
+              </a:r>
+              <a:endParaRPr lang="ko-KR" altLang="en-US" sz="1000" dirty="0"/>
+            </a:p>
+          </p:txBody>
+        </p:sp>
+      </p:grpSp>
     </p:spTree>
     <p:extLst>
       <p:ext uri="{BB962C8B-B14F-4D97-AF65-F5344CB8AC3E}">
